--- a/Session_6_Spring_Security.pptx
+++ b/Session_6_Spring_Security.pptx
@@ -221,7 +221,7 @@
           <a:p>
             <a:fld id="{8B8A6F38-38DF-DE40-AB66-462ED217F8DB}" type="datetimeFigureOut">
               <a:rPr lang="en-US" smtClean="0"/>
-              <a:t>9/26/16</a:t>
+              <a:t>12/13/16</a:t>
             </a:fld>
             <a:endParaRPr lang="en-US"/>
           </a:p>
@@ -387,7 +387,7 @@
           <a:p>
             <a:fld id="{B72AF78E-2479-8240-A539-D96ACB7BCA91}" type="datetimeFigureOut">
               <a:rPr lang="en-US" smtClean="0"/>
-              <a:t>9/26/16</a:t>
+              <a:t>12/13/16</a:t>
             </a:fld>
             <a:endParaRPr lang="en-US"/>
           </a:p>
@@ -1568,48 +1568,6 @@
       </p:sp>
       <p:sp>
         <p:nvSpPr>
-          <p:cNvPr id="6" name="Slide Number Placeholder 5"/>
-          <p:cNvSpPr>
-            <a:spLocks noGrp="1"/>
-          </p:cNvSpPr>
-          <p:nvPr>
-            <p:ph type="sldNum" sz="quarter" idx="12"/>
-          </p:nvPr>
-        </p:nvSpPr>
-        <p:spPr>
-          <a:xfrm>
-            <a:off x="48247" y="4861463"/>
-            <a:ext cx="373338" cy="273844"/>
-          </a:xfrm>
-          <a:prstGeom prst="rect">
-            <a:avLst/>
-          </a:prstGeom>
-        </p:spPr>
-        <p:txBody>
-          <a:bodyPr/>
-          <a:lstStyle>
-            <a:lvl1pPr>
-              <a:defRPr sz="900">
-                <a:solidFill>
-                  <a:schemeClr val="bg1">
-                    <a:lumMod val="65000"/>
-                  </a:schemeClr>
-                </a:solidFill>
-              </a:defRPr>
-            </a:lvl1pPr>
-          </a:lstStyle>
-          <a:p>
-            <a:fld id="{ADA07C09-8A41-3B46-A636-3955072BBB4F}" type="slidenum">
-              <a:rPr lang="en-US" smtClean="0"/>
-              <a:pPr/>
-              <a:t>‹#›</a:t>
-            </a:fld>
-            <a:endParaRPr lang="en-US"/>
-          </a:p>
-        </p:txBody>
-      </p:sp>
-      <p:sp>
-        <p:nvSpPr>
           <p:cNvPr id="13" name="Text Placeholder 12"/>
           <p:cNvSpPr>
             <a:spLocks noGrp="1"/>
@@ -1943,36 +1901,6 @@
           </a:p>
         </p:txBody>
       </p:sp>
-      <p:pic>
-        <p:nvPicPr>
-          <p:cNvPr id="7" name="Picture 6" descr="pivotal_green.png"/>
-          <p:cNvPicPr>
-            <a:picLocks noChangeAspect="1"/>
-          </p:cNvPicPr>
-          <p:nvPr userDrawn="1"/>
-        </p:nvPicPr>
-        <p:blipFill>
-          <a:blip r:embed="rId2">
-            <a:extLst>
-              <a:ext uri="{28A0092B-C50C-407E-A947-70E740481C1C}">
-                <a14:useLocalDpi xmlns:a14="http://schemas.microsoft.com/office/drawing/2010/main" val="0"/>
-              </a:ext>
-            </a:extLst>
-          </a:blip>
-          <a:stretch>
-            <a:fillRect/>
-          </a:stretch>
-        </p:blipFill>
-        <p:spPr>
-          <a:xfrm>
-            <a:off x="7788438" y="4656658"/>
-            <a:ext cx="831214" cy="204245"/>
-          </a:xfrm>
-          <a:prstGeom prst="rect">
-            <a:avLst/>
-          </a:prstGeom>
-        </p:spPr>
-      </p:pic>
     </p:spTree>
     <p:extLst>
       <p:ext uri="{BB962C8B-B14F-4D97-AF65-F5344CB8AC3E}">
@@ -2053,36 +1981,6 @@
           </a:p>
         </p:txBody>
       </p:sp>
-      <p:pic>
-        <p:nvPicPr>
-          <p:cNvPr id="7" name="Picture 6" descr="Pivotal_White.png"/>
-          <p:cNvPicPr>
-            <a:picLocks noChangeAspect="1"/>
-          </p:cNvPicPr>
-          <p:nvPr userDrawn="1"/>
-        </p:nvPicPr>
-        <p:blipFill>
-          <a:blip r:embed="rId2">
-            <a:extLst>
-              <a:ext uri="{28A0092B-C50C-407E-A947-70E740481C1C}">
-                <a14:useLocalDpi xmlns:a14="http://schemas.microsoft.com/office/drawing/2010/main" val="0"/>
-              </a:ext>
-            </a:extLst>
-          </a:blip>
-          <a:stretch>
-            <a:fillRect/>
-          </a:stretch>
-        </p:blipFill>
-        <p:spPr>
-          <a:xfrm>
-            <a:off x="8286415" y="4854091"/>
-            <a:ext cx="712061" cy="173736"/>
-          </a:xfrm>
-          <a:prstGeom prst="rect">
-            <a:avLst/>
-          </a:prstGeom>
-        </p:spPr>
-      </p:pic>
       <p:sp>
         <p:nvSpPr>
           <p:cNvPr id="11" name="Slide Number Placeholder 5"/>
@@ -2485,33 +2383,6 @@
           </a:p>
         </p:txBody>
       </p:sp>
-      <p:pic>
-        <p:nvPicPr>
-          <p:cNvPr id="66" name="Shape 66"/>
-          <p:cNvPicPr preferRelativeResize="0"/>
-          <p:nvPr/>
-        </p:nvPicPr>
-        <p:blipFill rotWithShape="1">
-          <a:blip r:embed="rId2">
-            <a:alphaModFix/>
-          </a:blip>
-          <a:srcRect/>
-          <a:stretch/>
-        </p:blipFill>
-        <p:spPr>
-          <a:xfrm>
-            <a:off x="7942263" y="4713287"/>
-            <a:ext cx="957299" cy="220800"/>
-          </a:xfrm>
-          <a:prstGeom prst="rect">
-            <a:avLst/>
-          </a:prstGeom>
-          <a:noFill/>
-          <a:ln>
-            <a:noFill/>
-          </a:ln>
-        </p:spPr>
-      </p:pic>
     </p:spTree>
     <p:extLst>
       <p:ext uri="{BB962C8B-B14F-4D97-AF65-F5344CB8AC3E}">
@@ -2745,101 +2616,6 @@
           </a:p>
         </p:txBody>
       </p:sp>
-      <p:sp>
-        <p:nvSpPr>
-          <p:cNvPr id="7" name="TextBox 6"/>
-          <p:cNvSpPr txBox="1"/>
-          <p:nvPr userDrawn="1"/>
-        </p:nvSpPr>
-        <p:spPr bwMode="gray">
-          <a:xfrm>
-            <a:off x="366713" y="5018449"/>
-            <a:ext cx="2274887" cy="92333"/>
-          </a:xfrm>
-          <a:prstGeom prst="rect">
-            <a:avLst/>
-          </a:prstGeom>
-          <a:noFill/>
-        </p:spPr>
-        <p:txBody>
-          <a:bodyPr wrap="square" lIns="0" tIns="0" rIns="0" bIns="0" rtlCol="0">
-            <a:spAutoFit/>
-          </a:bodyPr>
-          <a:lstStyle/>
-          <a:p>
-            <a:pPr algn="l"/>
-            <a:r>
-              <a:rPr lang="en-US" sz="600" dirty="0" smtClean="0">
-                <a:solidFill>
-                  <a:schemeClr val="bg1">
-                    <a:lumMod val="50000"/>
-                  </a:schemeClr>
-                </a:solidFill>
-                <a:latin typeface="Arial"/>
-                <a:cs typeface="Arial"/>
-              </a:rPr>
-              <a:t>© Copyright 2015 Pivotal.</a:t>
-            </a:r>
-            <a:r>
-              <a:rPr lang="en-US" sz="600" baseline="0" dirty="0" smtClean="0">
-                <a:solidFill>
-                  <a:schemeClr val="bg1">
-                    <a:lumMod val="50000"/>
-                  </a:schemeClr>
-                </a:solidFill>
-                <a:latin typeface="Arial"/>
-                <a:cs typeface="Arial"/>
-              </a:rPr>
-              <a:t> </a:t>
-            </a:r>
-            <a:r>
-              <a:rPr lang="en-US" sz="600" dirty="0" smtClean="0">
-                <a:solidFill>
-                  <a:schemeClr val="bg1">
-                    <a:lumMod val="50000"/>
-                  </a:schemeClr>
-                </a:solidFill>
-                <a:latin typeface="Arial"/>
-                <a:cs typeface="Arial"/>
-              </a:rPr>
-              <a:t>All rights reserved.</a:t>
-            </a:r>
-            <a:endParaRPr lang="en-US" sz="600" dirty="0">
-              <a:solidFill>
-                <a:schemeClr val="bg1">
-                  <a:lumMod val="50000"/>
-                </a:schemeClr>
-              </a:solidFill>
-              <a:latin typeface="Arial"/>
-              <a:cs typeface="Arial"/>
-            </a:endParaRPr>
-          </a:p>
-        </p:txBody>
-      </p:sp>
-      <p:pic>
-        <p:nvPicPr>
-          <p:cNvPr id="8" name="Picture 7" descr="Pivotal_Logo_white.png"/>
-          <p:cNvPicPr>
-            <a:picLocks noChangeAspect="1"/>
-          </p:cNvPicPr>
-          <p:nvPr userDrawn="1"/>
-        </p:nvPicPr>
-        <p:blipFill>
-          <a:blip r:embed="rId2" cstate="print"/>
-          <a:stretch>
-            <a:fillRect/>
-          </a:stretch>
-        </p:blipFill>
-        <p:spPr>
-          <a:xfrm>
-            <a:off x="7941733" y="4713966"/>
-            <a:ext cx="957262" cy="219455"/>
-          </a:xfrm>
-          <a:prstGeom prst="rect">
-            <a:avLst/>
-          </a:prstGeom>
-        </p:spPr>
-      </p:pic>
       <p:cxnSp>
         <p:nvCxnSpPr>
           <p:cNvPr id="9" name="Straight Connector 8"/>
@@ -3144,36 +2920,6 @@
           </a:p>
         </p:txBody>
       </p:sp>
-      <p:pic>
-        <p:nvPicPr>
-          <p:cNvPr id="7" name="Picture 6" descr="Pivotal_White.png"/>
-          <p:cNvPicPr>
-            <a:picLocks noChangeAspect="1"/>
-          </p:cNvPicPr>
-          <p:nvPr userDrawn="1"/>
-        </p:nvPicPr>
-        <p:blipFill>
-          <a:blip r:embed="rId2">
-            <a:extLst>
-              <a:ext uri="{28A0092B-C50C-407E-A947-70E740481C1C}">
-                <a14:useLocalDpi xmlns:a14="http://schemas.microsoft.com/office/drawing/2010/main" val="0"/>
-              </a:ext>
-            </a:extLst>
-          </a:blip>
-          <a:stretch>
-            <a:fillRect/>
-          </a:stretch>
-        </p:blipFill>
-        <p:spPr>
-          <a:xfrm>
-            <a:off x="8286415" y="4854091"/>
-            <a:ext cx="712061" cy="173736"/>
-          </a:xfrm>
-          <a:prstGeom prst="rect">
-            <a:avLst/>
-          </a:prstGeom>
-        </p:spPr>
-      </p:pic>
       <p:sp>
         <p:nvSpPr>
           <p:cNvPr id="11" name="Slide Number Placeholder 5"/>
@@ -3450,36 +3196,6 @@
           <a:chExt cx="0" cy="0"/>
         </a:xfrm>
       </p:grpSpPr>
-      <p:pic>
-        <p:nvPicPr>
-          <p:cNvPr id="8" name="Picture 7" descr="pivotal_teal.png"/>
-          <p:cNvPicPr>
-            <a:picLocks noChangeAspect="1"/>
-          </p:cNvPicPr>
-          <p:nvPr userDrawn="1"/>
-        </p:nvPicPr>
-        <p:blipFill>
-          <a:blip r:embed="rId7">
-            <a:extLst>
-              <a:ext uri="{28A0092B-C50C-407E-A947-70E740481C1C}">
-                <a14:useLocalDpi xmlns:a14="http://schemas.microsoft.com/office/drawing/2010/main" val="0"/>
-              </a:ext>
-            </a:extLst>
-          </a:blip>
-          <a:stretch>
-            <a:fillRect/>
-          </a:stretch>
-        </p:blipFill>
-        <p:spPr>
-          <a:xfrm>
-            <a:off x="8272780" y="4855076"/>
-            <a:ext cx="731520" cy="171298"/>
-          </a:xfrm>
-          <a:prstGeom prst="rect">
-            <a:avLst/>
-          </a:prstGeom>
-        </p:spPr>
-      </p:pic>
     </p:spTree>
     <p:extLst>
       <p:ext uri="{BB962C8B-B14F-4D97-AF65-F5344CB8AC3E}">
@@ -3778,36 +3494,6 @@
           <a:chExt cx="0" cy="0"/>
         </a:xfrm>
       </p:grpSpPr>
-      <p:pic>
-        <p:nvPicPr>
-          <p:cNvPr id="8" name="Picture 7" descr="pivotal_teal.png"/>
-          <p:cNvPicPr>
-            <a:picLocks noChangeAspect="1"/>
-          </p:cNvPicPr>
-          <p:nvPr userDrawn="1"/>
-        </p:nvPicPr>
-        <p:blipFill>
-          <a:blip r:embed="rId9">
-            <a:extLst>
-              <a:ext uri="{28A0092B-C50C-407E-A947-70E740481C1C}">
-                <a14:useLocalDpi xmlns:a14="http://schemas.microsoft.com/office/drawing/2010/main" val="0"/>
-              </a:ext>
-            </a:extLst>
-          </a:blip>
-          <a:stretch>
-            <a:fillRect/>
-          </a:stretch>
-        </p:blipFill>
-        <p:spPr>
-          <a:xfrm>
-            <a:off x="8272780" y="4855076"/>
-            <a:ext cx="731520" cy="171298"/>
-          </a:xfrm>
-          <a:prstGeom prst="rect">
-            <a:avLst/>
-          </a:prstGeom>
-        </p:spPr>
-      </p:pic>
     </p:spTree>
     <p:extLst>
       <p:ext uri="{BB962C8B-B14F-4D97-AF65-F5344CB8AC3E}">
@@ -4278,49 +3964,6 @@
           </a:p>
         </p:txBody>
       </p:sp>
-      <p:pic>
-        <p:nvPicPr>
-          <p:cNvPr id="7" name="Picture 6" descr="pivotal_teal.png"/>
-          <p:cNvPicPr>
-            <a:picLocks noChangeAspect="1"/>
-          </p:cNvPicPr>
-          <p:nvPr/>
-        </p:nvPicPr>
-        <p:blipFill>
-          <a:blip r:embed="rId5">
-            <a:lum bright="70000" contrast="-70000"/>
-            <a:extLst>
-              <a:ext uri="{BEBA8EAE-BF5A-486C-A8C5-ECC9F3942E4B}">
-                <a14:imgProps xmlns:a14="http://schemas.microsoft.com/office/drawing/2010/main">
-                  <a14:imgLayer r:embed="rId6">
-                    <a14:imgEffect>
-                      <a14:colorTemperature colorTemp="11500"/>
-                    </a14:imgEffect>
-                    <a14:imgEffect>
-                      <a14:saturation sat="0"/>
-                    </a14:imgEffect>
-                  </a14:imgLayer>
-                </a14:imgProps>
-              </a:ext>
-              <a:ext uri="{28A0092B-C50C-407E-A947-70E740481C1C}">
-                <a14:useLocalDpi xmlns:a14="http://schemas.microsoft.com/office/drawing/2010/main" val="0"/>
-              </a:ext>
-            </a:extLst>
-          </a:blip>
-          <a:stretch>
-            <a:fillRect/>
-          </a:stretch>
-        </p:blipFill>
-        <p:spPr>
-          <a:xfrm>
-            <a:off x="8272780" y="4855076"/>
-            <a:ext cx="731520" cy="171298"/>
-          </a:xfrm>
-          <a:prstGeom prst="rect">
-            <a:avLst/>
-          </a:prstGeom>
-        </p:spPr>
-      </p:pic>
     </p:spTree>
     <p:extLst>
       <p:ext uri="{BB962C8B-B14F-4D97-AF65-F5344CB8AC3E}">
@@ -4537,11 +4180,7 @@
           <a:p>
             <a:r>
               <a:rPr lang="en-US" dirty="0" smtClean="0"/>
-              <a:t>Spring </a:t>
-            </a:r>
-            <a:r>
-              <a:rPr lang="en-US" dirty="0" smtClean="0"/>
-              <a:t>Security</a:t>
+              <a:t>Spring Security</a:t>
             </a:r>
             <a:endParaRPr lang="en-US" dirty="0">
               <a:solidFill>
@@ -4603,7 +4242,6 @@
               <a:rPr lang="en-US" sz="1400" dirty="0" smtClean="0"/>
               <a:t>data access technologies, relational and non-relational databases, map-reduce frameworks, and cloud-based data services.</a:t>
             </a:r>
-            <a:endParaRPr lang="en-US" sz="1400" dirty="0" smtClean="0"/>
           </a:p>
         </p:txBody>
       </p:sp>
@@ -4900,11 +4538,7 @@
           <a:p>
             <a:r>
               <a:rPr lang="en-US" dirty="0" smtClean="0"/>
-              <a:t>Spring </a:t>
-            </a:r>
-            <a:r>
-              <a:rPr lang="en-US" dirty="0" smtClean="0"/>
-              <a:t>Security</a:t>
+              <a:t>Spring Security</a:t>
             </a:r>
             <a:endParaRPr lang="en-US" dirty="0">
               <a:solidFill>
@@ -6764,19 +6398,7 @@
             </a:pPr>
             <a:r>
               <a:rPr lang="en-US" sz="1400" dirty="0" smtClean="0"/>
-              <a:t>Add the Spring </a:t>
-            </a:r>
-            <a:r>
-              <a:rPr lang="en-US" sz="1400" dirty="0" smtClean="0"/>
-              <a:t>Security </a:t>
-            </a:r>
-            <a:r>
-              <a:rPr lang="en-US" sz="1400" dirty="0" smtClean="0"/>
-              <a:t>starter </a:t>
-            </a:r>
-            <a:r>
-              <a:rPr lang="en-US" sz="1400" dirty="0" smtClean="0"/>
-              <a:t>to our pom.xml file</a:t>
+              <a:t>Add the Spring Security starter to our pom.xml file</a:t>
             </a:r>
           </a:p>
         </p:txBody>
@@ -7642,23 +7264,7 @@
             </a:pPr>
             <a:r>
               <a:rPr lang="en-US" sz="1400" dirty="0" smtClean="0"/>
-              <a:t>Add a dash of </a:t>
-            </a:r>
-            <a:r>
-              <a:rPr lang="en-US" sz="1400" dirty="0" smtClean="0"/>
-              <a:t>Spring OAuth </a:t>
-            </a:r>
-            <a:r>
-              <a:rPr lang="en-US" sz="1400" dirty="0" smtClean="0"/>
-              <a:t>into </a:t>
-            </a:r>
-            <a:r>
-              <a:rPr lang="en-US" sz="1400" dirty="0" smtClean="0"/>
-              <a:t>our </a:t>
-            </a:r>
-            <a:r>
-              <a:rPr lang="en-US" sz="1400" dirty="0" smtClean="0"/>
-              <a:t>pom.xml</a:t>
+              <a:t>Add a dash of Spring OAuth into our pom.xml</a:t>
             </a:r>
           </a:p>
         </p:txBody>
@@ -8331,7 +7937,6 @@
               <a:rPr lang="en-US" sz="1400" dirty="0" smtClean="0"/>
               <a:t> and secrets </a:t>
             </a:r>
-            <a:endParaRPr lang="en-US" sz="1400" dirty="0" smtClean="0"/>
           </a:p>
         </p:txBody>
       </p:sp>
